--- a/ゲームコンセプト.pptx
+++ b/ゲームコンセプト.pptx
@@ -9,9 +9,9 @@
   </p:notesMasterIdLst>
   <p:sldIdLst>
     <p:sldId id="256" r:id="rId2"/>
-    <p:sldId id="257" r:id="rId3"/>
-    <p:sldId id="258" r:id="rId4"/>
-    <p:sldId id="259" r:id="rId5"/>
+    <p:sldId id="259" r:id="rId3"/>
+    <p:sldId id="257" r:id="rId4"/>
+    <p:sldId id="258" r:id="rId5"/>
   </p:sldIdLst>
   <p:sldSz cx="12192000" cy="6858000"/>
   <p:notesSz cx="6858000" cy="9144000"/>
@@ -200,7 +200,7 @@
           <a:p>
             <a:fld id="{6A996431-A93B-42E2-9884-8E89E31A7063}" type="datetimeFigureOut">
               <a:rPr kumimoji="1" lang="ja-JP" altLang="en-US" smtClean="0"/>
-              <a:t>2023/11/14</a:t>
+              <a:t>2023/11/28</a:t>
             </a:fld>
             <a:endParaRPr kumimoji="1" lang="ja-JP" altLang="en-US"/>
           </a:p>
@@ -685,7 +685,7 @@
           <a:p>
             <a:fld id="{F0F7637D-6BD6-4732-B028-6BA4E8F115A6}" type="datetimeFigureOut">
               <a:rPr kumimoji="1" lang="ja-JP" altLang="en-US" smtClean="0"/>
-              <a:t>2023/11/14</a:t>
+              <a:t>2023/11/28</a:t>
             </a:fld>
             <a:endParaRPr kumimoji="1" lang="ja-JP" altLang="en-US"/>
           </a:p>
@@ -960,7 +960,7 @@
           <a:p>
             <a:fld id="{F0F7637D-6BD6-4732-B028-6BA4E8F115A6}" type="datetimeFigureOut">
               <a:rPr kumimoji="1" lang="ja-JP" altLang="en-US" smtClean="0"/>
-              <a:t>2023/11/14</a:t>
+              <a:t>2023/11/28</a:t>
             </a:fld>
             <a:endParaRPr kumimoji="1" lang="ja-JP" altLang="en-US"/>
           </a:p>
@@ -1154,7 +1154,7 @@
           <a:p>
             <a:fld id="{F0F7637D-6BD6-4732-B028-6BA4E8F115A6}" type="datetimeFigureOut">
               <a:rPr kumimoji="1" lang="ja-JP" altLang="en-US" smtClean="0"/>
-              <a:t>2023/11/14</a:t>
+              <a:t>2023/11/28</a:t>
             </a:fld>
             <a:endParaRPr kumimoji="1" lang="ja-JP" altLang="en-US"/>
           </a:p>
@@ -1427,7 +1427,7 @@
           <a:p>
             <a:fld id="{F0F7637D-6BD6-4732-B028-6BA4E8F115A6}" type="datetimeFigureOut">
               <a:rPr kumimoji="1" lang="ja-JP" altLang="en-US" smtClean="0"/>
-              <a:t>2023/11/14</a:t>
+              <a:t>2023/11/28</a:t>
             </a:fld>
             <a:endParaRPr kumimoji="1" lang="ja-JP" altLang="en-US"/>
           </a:p>
@@ -1768,7 +1768,7 @@
           <a:p>
             <a:fld id="{F0F7637D-6BD6-4732-B028-6BA4E8F115A6}" type="datetimeFigureOut">
               <a:rPr kumimoji="1" lang="ja-JP" altLang="en-US" smtClean="0"/>
-              <a:t>2023/11/14</a:t>
+              <a:t>2023/11/28</a:t>
             </a:fld>
             <a:endParaRPr kumimoji="1" lang="ja-JP" altLang="en-US"/>
           </a:p>
@@ -2391,7 +2391,7 @@
           <a:p>
             <a:fld id="{F0F7637D-6BD6-4732-B028-6BA4E8F115A6}" type="datetimeFigureOut">
               <a:rPr kumimoji="1" lang="ja-JP" altLang="en-US" smtClean="0"/>
-              <a:t>2023/11/14</a:t>
+              <a:t>2023/11/28</a:t>
             </a:fld>
             <a:endParaRPr kumimoji="1" lang="ja-JP" altLang="en-US"/>
           </a:p>
@@ -3251,7 +3251,7 @@
           <a:p>
             <a:fld id="{F0F7637D-6BD6-4732-B028-6BA4E8F115A6}" type="datetimeFigureOut">
               <a:rPr kumimoji="1" lang="ja-JP" altLang="en-US" smtClean="0"/>
-              <a:t>2023/11/14</a:t>
+              <a:t>2023/11/28</a:t>
             </a:fld>
             <a:endParaRPr kumimoji="1" lang="ja-JP" altLang="en-US"/>
           </a:p>
@@ -3453,7 +3453,7 @@
           <a:p>
             <a:fld id="{F0F7637D-6BD6-4732-B028-6BA4E8F115A6}" type="datetimeFigureOut">
               <a:rPr kumimoji="1" lang="ja-JP" altLang="en-US" smtClean="0"/>
-              <a:t>2023/11/14</a:t>
+              <a:t>2023/11/28</a:t>
             </a:fld>
             <a:endParaRPr kumimoji="1" lang="ja-JP" altLang="en-US"/>
           </a:p>
@@ -3665,7 +3665,7 @@
           <a:p>
             <a:fld id="{F0F7637D-6BD6-4732-B028-6BA4E8F115A6}" type="datetimeFigureOut">
               <a:rPr kumimoji="1" lang="ja-JP" altLang="en-US" smtClean="0"/>
-              <a:t>2023/11/14</a:t>
+              <a:t>2023/11/28</a:t>
             </a:fld>
             <a:endParaRPr kumimoji="1" lang="ja-JP" altLang="en-US"/>
           </a:p>
@@ -3867,7 +3867,7 @@
           <a:p>
             <a:fld id="{F0F7637D-6BD6-4732-B028-6BA4E8F115A6}" type="datetimeFigureOut">
               <a:rPr kumimoji="1" lang="ja-JP" altLang="en-US" smtClean="0"/>
-              <a:t>2023/11/14</a:t>
+              <a:t>2023/11/28</a:t>
             </a:fld>
             <a:endParaRPr kumimoji="1" lang="ja-JP" altLang="en-US"/>
           </a:p>
@@ -4114,7 +4114,7 @@
           <a:p>
             <a:fld id="{F0F7637D-6BD6-4732-B028-6BA4E8F115A6}" type="datetimeFigureOut">
               <a:rPr kumimoji="1" lang="ja-JP" altLang="en-US" smtClean="0"/>
-              <a:t>2023/11/14</a:t>
+              <a:t>2023/11/28</a:t>
             </a:fld>
             <a:endParaRPr kumimoji="1" lang="ja-JP" altLang="en-US"/>
           </a:p>
@@ -4470,7 +4470,7 @@
           <a:p>
             <a:fld id="{F0F7637D-6BD6-4732-B028-6BA4E8F115A6}" type="datetimeFigureOut">
               <a:rPr kumimoji="1" lang="ja-JP" altLang="en-US" smtClean="0"/>
-              <a:t>2023/11/14</a:t>
+              <a:t>2023/11/28</a:t>
             </a:fld>
             <a:endParaRPr kumimoji="1" lang="ja-JP" altLang="en-US"/>
           </a:p>
@@ -4978,7 +4978,7 @@
           <a:p>
             <a:fld id="{F0F7637D-6BD6-4732-B028-6BA4E8F115A6}" type="datetimeFigureOut">
               <a:rPr kumimoji="1" lang="ja-JP" altLang="en-US" smtClean="0"/>
-              <a:t>2023/11/14</a:t>
+              <a:t>2023/11/28</a:t>
             </a:fld>
             <a:endParaRPr kumimoji="1" lang="ja-JP" altLang="en-US"/>
           </a:p>
@@ -5096,7 +5096,7 @@
           <a:p>
             <a:fld id="{F0F7637D-6BD6-4732-B028-6BA4E8F115A6}" type="datetimeFigureOut">
               <a:rPr kumimoji="1" lang="ja-JP" altLang="en-US" smtClean="0"/>
-              <a:t>2023/11/14</a:t>
+              <a:t>2023/11/28</a:t>
             </a:fld>
             <a:endParaRPr kumimoji="1" lang="ja-JP" altLang="en-US"/>
           </a:p>
@@ -5191,7 +5191,7 @@
           <a:p>
             <a:fld id="{F0F7637D-6BD6-4732-B028-6BA4E8F115A6}" type="datetimeFigureOut">
               <a:rPr kumimoji="1" lang="ja-JP" altLang="en-US" smtClean="0"/>
-              <a:t>2023/11/14</a:t>
+              <a:t>2023/11/28</a:t>
             </a:fld>
             <a:endParaRPr kumimoji="1" lang="ja-JP" altLang="en-US"/>
           </a:p>
@@ -5502,7 +5502,7 @@
           <a:p>
             <a:fld id="{F0F7637D-6BD6-4732-B028-6BA4E8F115A6}" type="datetimeFigureOut">
               <a:rPr kumimoji="1" lang="ja-JP" altLang="en-US" smtClean="0"/>
-              <a:t>2023/11/14</a:t>
+              <a:t>2023/11/28</a:t>
             </a:fld>
             <a:endParaRPr kumimoji="1" lang="ja-JP" altLang="en-US"/>
           </a:p>
@@ -5777,7 +5777,7 @@
           <a:p>
             <a:fld id="{F0F7637D-6BD6-4732-B028-6BA4E8F115A6}" type="datetimeFigureOut">
               <a:rPr kumimoji="1" lang="ja-JP" altLang="en-US" smtClean="0"/>
-              <a:t>2023/11/14</a:t>
+              <a:t>2023/11/28</a:t>
             </a:fld>
             <a:endParaRPr kumimoji="1" lang="ja-JP" altLang="en-US"/>
           </a:p>
@@ -6238,7 +6238,7 @@
           <a:p>
             <a:fld id="{F0F7637D-6BD6-4732-B028-6BA4E8F115A6}" type="datetimeFigureOut">
               <a:rPr kumimoji="1" lang="ja-JP" altLang="en-US" smtClean="0"/>
-              <a:t>2023/11/14</a:t>
+              <a:t>2023/11/28</a:t>
             </a:fld>
             <a:endParaRPr kumimoji="1" lang="ja-JP" altLang="en-US"/>
           </a:p>
@@ -6886,10 +6886,10 @@
       </p:grpSpPr>
       <p:sp>
         <p:nvSpPr>
-          <p:cNvPr id="6" name="正方形/長方形 5">
+          <p:cNvPr id="3" name="正方形/長方形 2">
             <a:extLst>
               <a:ext uri="{FF2B5EF4-FFF2-40B4-BE49-F238E27FC236}">
-                <a16:creationId xmlns:a16="http://schemas.microsoft.com/office/drawing/2014/main" id="{1AF728D9-A727-4182-8F64-BD6822A9A2E3}"/>
+                <a16:creationId xmlns:a16="http://schemas.microsoft.com/office/drawing/2014/main" id="{5A54EE39-AE56-416A-A608-C88DB1A0B5A0}"/>
               </a:ext>
             </a:extLst>
           </p:cNvPr>
@@ -6898,8 +6898,8 @@
         </p:nvSpPr>
         <p:spPr>
           <a:xfrm>
-            <a:off x="1347537" y="1218063"/>
-            <a:ext cx="8859356" cy="4539916"/>
+            <a:off x="1379720" y="709684"/>
+            <a:ext cx="8859356" cy="5125751"/>
           </a:xfrm>
           <a:prstGeom prst="rect">
             <a:avLst/>
@@ -6934,478 +6934,111 @@
           <a:lstStyle/>
           <a:p>
             <a:pPr algn="ctr"/>
-            <a:endParaRPr kumimoji="1" lang="ja-JP" altLang="en-US" dirty="0"/>
-          </a:p>
-        </p:txBody>
-      </p:sp>
-      <p:sp>
-        <p:nvSpPr>
-          <p:cNvPr id="7" name="テキスト ボックス 6">
-            <a:extLst>
-              <a:ext uri="{FF2B5EF4-FFF2-40B4-BE49-F238E27FC236}">
-                <a16:creationId xmlns:a16="http://schemas.microsoft.com/office/drawing/2014/main" id="{E14E90F5-D81B-42B7-BB75-AE62C710FE34}"/>
-              </a:ext>
-            </a:extLst>
-          </p:cNvPr>
-          <p:cNvSpPr txBox="1"/>
-          <p:nvPr/>
-        </p:nvSpPr>
-        <p:spPr>
-          <a:xfrm>
-            <a:off x="844062" y="640862"/>
-            <a:ext cx="3540369" cy="369332"/>
-          </a:xfrm>
-          <a:prstGeom prst="rect">
-            <a:avLst/>
-          </a:prstGeom>
-          <a:noFill/>
-        </p:spPr>
-        <p:txBody>
-          <a:bodyPr wrap="square" rtlCol="0">
-            <a:spAutoFit/>
-          </a:bodyPr>
-          <a:lstStyle/>
-          <a:p>
-            <a:r>
-              <a:rPr kumimoji="1" lang="ja-JP" altLang="en-US" dirty="0"/>
-              <a:t>ゲームの作成予定画面</a:t>
-            </a:r>
-          </a:p>
-        </p:txBody>
-      </p:sp>
-      <p:sp>
-        <p:nvSpPr>
-          <p:cNvPr id="8" name="正方形/長方形 7">
-            <a:extLst>
-              <a:ext uri="{FF2B5EF4-FFF2-40B4-BE49-F238E27FC236}">
-                <a16:creationId xmlns:a16="http://schemas.microsoft.com/office/drawing/2014/main" id="{A363C8F8-5228-4ED6-93CA-10EE28165E0A}"/>
-              </a:ext>
-            </a:extLst>
-          </p:cNvPr>
-          <p:cNvSpPr/>
-          <p:nvPr/>
-        </p:nvSpPr>
-        <p:spPr>
-          <a:xfrm>
-            <a:off x="1860061" y="2954215"/>
-            <a:ext cx="1268150" cy="2131132"/>
-          </a:xfrm>
-          <a:prstGeom prst="rect">
-            <a:avLst/>
-          </a:prstGeom>
-          <a:noFill/>
-        </p:spPr>
-        <p:style>
-          <a:lnRef idx="2">
-            <a:schemeClr val="accent1">
-              <a:shade val="50000"/>
-            </a:schemeClr>
-          </a:lnRef>
-          <a:fillRef idx="1">
-            <a:schemeClr val="accent1"/>
-          </a:fillRef>
-          <a:effectRef idx="0">
-            <a:schemeClr val="accent1"/>
-          </a:effectRef>
-          <a:fontRef idx="minor">
-            <a:schemeClr val="lt1"/>
-          </a:fontRef>
-        </p:style>
-        <p:txBody>
-          <a:bodyPr rtlCol="0" anchor="ctr"/>
-          <a:lstStyle/>
-          <a:p>
-            <a:pPr algn="ctr"/>
-            <a:endParaRPr kumimoji="1" lang="ja-JP" altLang="en-US" dirty="0"/>
-          </a:p>
-        </p:txBody>
-      </p:sp>
-      <p:sp>
-        <p:nvSpPr>
-          <p:cNvPr id="9" name="テキスト ボックス 8">
-            <a:extLst>
-              <a:ext uri="{FF2B5EF4-FFF2-40B4-BE49-F238E27FC236}">
-                <a16:creationId xmlns:a16="http://schemas.microsoft.com/office/drawing/2014/main" id="{AB06C49D-5618-41F7-9EB1-E631AE012E8C}"/>
-              </a:ext>
-            </a:extLst>
-          </p:cNvPr>
-          <p:cNvSpPr txBox="1"/>
-          <p:nvPr/>
-        </p:nvSpPr>
-        <p:spPr>
-          <a:xfrm>
-            <a:off x="1985107" y="3059668"/>
-            <a:ext cx="937845" cy="369332"/>
-          </a:xfrm>
-          <a:prstGeom prst="rect">
-            <a:avLst/>
-          </a:prstGeom>
-          <a:noFill/>
-        </p:spPr>
-        <p:txBody>
-          <a:bodyPr wrap="square" rtlCol="0">
-            <a:spAutoFit/>
-          </a:bodyPr>
-          <a:lstStyle/>
-          <a:p>
-            <a:r>
-              <a:rPr kumimoji="1" lang="ja-JP" altLang="en-US" dirty="0">
+            <a:r>
+              <a:rPr kumimoji="1" lang="ja-JP" altLang="en-US" sz="3200" dirty="0">
                 <a:solidFill>
                   <a:schemeClr val="bg1"/>
                 </a:solidFill>
               </a:rPr>
-              <a:t>話す</a:t>
-            </a:r>
-          </a:p>
-        </p:txBody>
-      </p:sp>
-      <p:sp>
-        <p:nvSpPr>
-          <p:cNvPr id="10" name="テキスト ボックス 9">
-            <a:extLst>
-              <a:ext uri="{FF2B5EF4-FFF2-40B4-BE49-F238E27FC236}">
-                <a16:creationId xmlns:a16="http://schemas.microsoft.com/office/drawing/2014/main" id="{94D67AC7-FC45-4910-A124-88CA9B46C236}"/>
-              </a:ext>
-            </a:extLst>
-          </p:cNvPr>
-          <p:cNvSpPr txBox="1"/>
-          <p:nvPr/>
-        </p:nvSpPr>
-        <p:spPr>
-          <a:xfrm>
-            <a:off x="1985107" y="3488021"/>
-            <a:ext cx="937845" cy="369332"/>
-          </a:xfrm>
-          <a:prstGeom prst="rect">
-            <a:avLst/>
-          </a:prstGeom>
-          <a:noFill/>
-        </p:spPr>
-        <p:txBody>
-          <a:bodyPr wrap="square" rtlCol="0">
-            <a:spAutoFit/>
-          </a:bodyPr>
-          <a:lstStyle/>
-          <a:p>
-            <a:r>
-              <a:rPr kumimoji="1" lang="ja-JP" altLang="en-US" dirty="0">
-                <a:solidFill>
-                  <a:schemeClr val="bg1"/>
-                </a:solidFill>
-              </a:rPr>
-              <a:t>調べる</a:t>
-            </a:r>
-          </a:p>
-        </p:txBody>
-      </p:sp>
-      <p:sp>
-        <p:nvSpPr>
-          <p:cNvPr id="11" name="テキスト ボックス 10">
-            <a:extLst>
-              <a:ext uri="{FF2B5EF4-FFF2-40B4-BE49-F238E27FC236}">
-                <a16:creationId xmlns:a16="http://schemas.microsoft.com/office/drawing/2014/main" id="{C4F56ABD-1276-464D-9C00-93EC9FF31504}"/>
-              </a:ext>
-            </a:extLst>
-          </p:cNvPr>
-          <p:cNvSpPr txBox="1"/>
-          <p:nvPr/>
-        </p:nvSpPr>
-        <p:spPr>
-          <a:xfrm>
-            <a:off x="1985107" y="3977947"/>
-            <a:ext cx="937845" cy="369332"/>
-          </a:xfrm>
-          <a:prstGeom prst="rect">
-            <a:avLst/>
-          </a:prstGeom>
-          <a:noFill/>
-        </p:spPr>
-        <p:txBody>
-          <a:bodyPr wrap="square" rtlCol="0">
-            <a:spAutoFit/>
-          </a:bodyPr>
-          <a:lstStyle/>
-          <a:p>
-            <a:r>
-              <a:rPr kumimoji="1" lang="ja-JP" altLang="en-US" dirty="0">
-                <a:solidFill>
-                  <a:schemeClr val="bg1"/>
-                </a:solidFill>
-              </a:rPr>
-              <a:t>マップ</a:t>
-            </a:r>
-          </a:p>
-        </p:txBody>
-      </p:sp>
-      <p:sp>
-        <p:nvSpPr>
-          <p:cNvPr id="23" name="テキスト ボックス 22">
-            <a:extLst>
-              <a:ext uri="{FF2B5EF4-FFF2-40B4-BE49-F238E27FC236}">
-                <a16:creationId xmlns:a16="http://schemas.microsoft.com/office/drawing/2014/main" id="{54818D74-8432-4820-97A4-A4B631EC1C1F}"/>
-              </a:ext>
-            </a:extLst>
-          </p:cNvPr>
-          <p:cNvSpPr txBox="1"/>
-          <p:nvPr/>
-        </p:nvSpPr>
-        <p:spPr>
-          <a:xfrm>
-            <a:off x="1985106" y="4347279"/>
-            <a:ext cx="1143105" cy="430887"/>
-          </a:xfrm>
-          <a:prstGeom prst="rect">
-            <a:avLst/>
-          </a:prstGeom>
-          <a:noFill/>
-        </p:spPr>
-        <p:txBody>
-          <a:bodyPr wrap="square" rtlCol="0">
-            <a:spAutoFit/>
-          </a:bodyPr>
-          <a:lstStyle/>
-          <a:p>
-            <a:r>
-              <a:rPr kumimoji="1" lang="ja-JP" altLang="en-US" sz="1100">
-                <a:solidFill>
-                  <a:schemeClr val="bg1"/>
-                </a:solidFill>
-              </a:rPr>
-              <a:t>何か聞いたら面白い</a:t>
-            </a:r>
-            <a:r>
-              <a:rPr kumimoji="1" lang="ja-JP" altLang="en-US" sz="1100" dirty="0">
-                <a:solidFill>
-                  <a:schemeClr val="bg1"/>
-                </a:solidFill>
-              </a:rPr>
-              <a:t>事</a:t>
-            </a:r>
-          </a:p>
-        </p:txBody>
-      </p:sp>
-      <p:sp>
-        <p:nvSpPr>
-          <p:cNvPr id="2" name="テキスト ボックス 1">
-            <a:extLst>
-              <a:ext uri="{FF2B5EF4-FFF2-40B4-BE49-F238E27FC236}">
-                <a16:creationId xmlns:a16="http://schemas.microsoft.com/office/drawing/2014/main" id="{D98D586D-E97B-41E5-943F-110613173CFB}"/>
-              </a:ext>
-            </a:extLst>
-          </p:cNvPr>
-          <p:cNvSpPr txBox="1"/>
-          <p:nvPr/>
-        </p:nvSpPr>
-        <p:spPr>
-          <a:xfrm>
-            <a:off x="3219943" y="2044231"/>
-            <a:ext cx="4988267" cy="2862322"/>
-          </a:xfrm>
-          <a:prstGeom prst="rect">
-            <a:avLst/>
-          </a:prstGeom>
-          <a:noFill/>
-        </p:spPr>
-        <p:txBody>
-          <a:bodyPr wrap="square" rtlCol="0">
-            <a:spAutoFit/>
-          </a:bodyPr>
-          <a:lstStyle/>
-          <a:p>
-            <a:pPr algn="ctr"/>
-            <a:r>
-              <a:rPr kumimoji="1" lang="ja-JP" altLang="en-US" sz="6000" dirty="0">
-                <a:solidFill>
-                  <a:schemeClr val="bg1"/>
-                </a:solidFill>
-              </a:rPr>
-              <a:t>奥行のある</a:t>
-            </a:r>
-            <a:r>
-              <a:rPr kumimoji="1" lang="en-US" altLang="ja-JP" sz="6000" dirty="0">
-                <a:solidFill>
-                  <a:schemeClr val="bg1"/>
-                </a:solidFill>
-              </a:rPr>
-              <a:t>3D</a:t>
-            </a:r>
-            <a:r>
-              <a:rPr kumimoji="1" lang="ja-JP" altLang="en-US" sz="6000" dirty="0">
-                <a:solidFill>
-                  <a:schemeClr val="bg1"/>
-                </a:solidFill>
-              </a:rPr>
-              <a:t>背景、もしくは</a:t>
-            </a:r>
-            <a:r>
-              <a:rPr kumimoji="1" lang="en-US" altLang="ja-JP" sz="6000">
-                <a:solidFill>
-                  <a:schemeClr val="bg1"/>
-                </a:solidFill>
-              </a:rPr>
-              <a:t>2D</a:t>
-            </a:r>
-            <a:endParaRPr kumimoji="1" lang="en-US" altLang="ja-JP" sz="6000" dirty="0">
+              <a:t>脱出ゲーム</a:t>
+            </a:r>
+            <a:endParaRPr kumimoji="1" lang="en-US" altLang="ja-JP" sz="3200" dirty="0">
               <a:solidFill>
                 <a:schemeClr val="bg1"/>
               </a:solidFill>
             </a:endParaRPr>
           </a:p>
-        </p:txBody>
-      </p:sp>
-      <p:sp>
-        <p:nvSpPr>
-          <p:cNvPr id="3" name="テキスト ボックス 2">
-            <a:extLst>
-              <a:ext uri="{FF2B5EF4-FFF2-40B4-BE49-F238E27FC236}">
-                <a16:creationId xmlns:a16="http://schemas.microsoft.com/office/drawing/2014/main" id="{F77D885D-919A-4B56-A249-11817C2C874E}"/>
-              </a:ext>
-            </a:extLst>
-          </p:cNvPr>
-          <p:cNvSpPr txBox="1"/>
-          <p:nvPr/>
-        </p:nvSpPr>
-        <p:spPr>
-          <a:xfrm>
-            <a:off x="8801352" y="2584883"/>
-            <a:ext cx="1166549" cy="369332"/>
-          </a:xfrm>
-          <a:prstGeom prst="rect">
-            <a:avLst/>
-          </a:prstGeom>
-          <a:noFill/>
-        </p:spPr>
-        <p:txBody>
-          <a:bodyPr wrap="square" rtlCol="0">
-            <a:spAutoFit/>
-          </a:bodyPr>
-          <a:lstStyle/>
-          <a:p>
-            <a:r>
-              <a:rPr kumimoji="1" lang="ja-JP" altLang="en-US" dirty="0">
+          <a:p>
+            <a:pPr algn="ctr"/>
+            <a:endParaRPr kumimoji="1" lang="en-US" altLang="ja-JP" sz="3200" dirty="0">
+              <a:solidFill>
+                <a:schemeClr val="bg1"/>
+              </a:solidFill>
+            </a:endParaRPr>
+          </a:p>
+          <a:p>
+            <a:pPr algn="ctr"/>
+            <a:endParaRPr kumimoji="1" lang="en-US" altLang="ja-JP" sz="3200" dirty="0">
+              <a:solidFill>
+                <a:schemeClr val="bg1"/>
+              </a:solidFill>
+            </a:endParaRPr>
+          </a:p>
+          <a:p>
+            <a:pPr algn="ctr"/>
+            <a:r>
+              <a:rPr kumimoji="1" lang="en-US" altLang="ja-JP" sz="2000" dirty="0" err="1">
                 <a:solidFill>
                   <a:schemeClr val="bg1"/>
                 </a:solidFill>
+                <a:latin typeface="+mn-ea"/>
               </a:rPr>
-              <a:t>移動矢印</a:t>
-            </a:r>
-          </a:p>
-        </p:txBody>
-      </p:sp>
-      <p:sp>
-        <p:nvSpPr>
-          <p:cNvPr id="4" name="正方形/長方形 3">
-            <a:extLst>
-              <a:ext uri="{FF2B5EF4-FFF2-40B4-BE49-F238E27FC236}">
-                <a16:creationId xmlns:a16="http://schemas.microsoft.com/office/drawing/2014/main" id="{8B94F0F0-A0BB-4DD8-88A2-524C4E4A6FBA}"/>
-              </a:ext>
-            </a:extLst>
-          </p:cNvPr>
-          <p:cNvSpPr/>
-          <p:nvPr/>
-        </p:nvSpPr>
-        <p:spPr>
-          <a:xfrm>
-            <a:off x="1536553" y="1684426"/>
-            <a:ext cx="1395662" cy="718832"/>
-          </a:xfrm>
-          <a:prstGeom prst="rect">
-            <a:avLst/>
-          </a:prstGeom>
-          <a:solidFill>
-            <a:srgbClr val="00B050"/>
-          </a:solidFill>
-        </p:spPr>
-        <p:style>
-          <a:lnRef idx="2">
-            <a:schemeClr val="accent1">
-              <a:shade val="50000"/>
-            </a:schemeClr>
-          </a:lnRef>
-          <a:fillRef idx="1">
-            <a:schemeClr val="accent1"/>
-          </a:fillRef>
-          <a:effectRef idx="0">
-            <a:schemeClr val="accent1"/>
-          </a:effectRef>
-          <a:fontRef idx="minor">
-            <a:schemeClr val="lt1"/>
-          </a:fontRef>
-        </p:style>
-        <p:txBody>
-          <a:bodyPr rtlCol="0" anchor="ctr"/>
-          <a:lstStyle/>
+              <a:t>GameStart</a:t>
+            </a:r>
+            <a:endParaRPr kumimoji="1" lang="en-US" altLang="ja-JP" sz="2000" dirty="0">
+              <a:solidFill>
+                <a:schemeClr val="bg1"/>
+              </a:solidFill>
+              <a:latin typeface="+mn-ea"/>
+            </a:endParaRPr>
+          </a:p>
           <a:p>
             <a:pPr algn="ctr"/>
-            <a:r>
-              <a:rPr kumimoji="1" lang="ja-JP" altLang="en-US" dirty="0">
+            <a:endParaRPr kumimoji="1" lang="en-US" altLang="ja-JP" sz="2000" dirty="0">
+              <a:solidFill>
+                <a:schemeClr val="bg1"/>
+              </a:solidFill>
+              <a:latin typeface="+mn-ea"/>
+            </a:endParaRPr>
+          </a:p>
+          <a:p>
+            <a:pPr algn="ctr"/>
+            <a:r>
+              <a:rPr kumimoji="1" lang="ja-JP" altLang="en-US" sz="2000" dirty="0">
                 <a:solidFill>
-                  <a:srgbClr val="0070C0"/>
+                  <a:schemeClr val="bg1"/>
                 </a:solidFill>
+                <a:latin typeface="+mn-ea"/>
               </a:rPr>
-              <a:t>全体マップ</a:t>
-            </a:r>
-          </a:p>
-        </p:txBody>
-      </p:sp>
-      <p:sp>
-        <p:nvSpPr>
-          <p:cNvPr id="17" name="矢印: 四方向 16">
-            <a:extLst>
-              <a:ext uri="{FF2B5EF4-FFF2-40B4-BE49-F238E27FC236}">
-                <a16:creationId xmlns:a16="http://schemas.microsoft.com/office/drawing/2014/main" id="{A118AAAF-8205-47B8-BB07-A6F36946FD97}"/>
-              </a:ext>
-            </a:extLst>
-          </p:cNvPr>
-          <p:cNvSpPr/>
-          <p:nvPr/>
-        </p:nvSpPr>
-        <p:spPr>
-          <a:xfrm>
-            <a:off x="8801352" y="1717098"/>
-            <a:ext cx="898358" cy="900457"/>
-          </a:xfrm>
-          <a:prstGeom prst="quadArrow">
-            <a:avLst/>
-          </a:prstGeom>
-          <a:solidFill>
-            <a:schemeClr val="bg1"/>
-          </a:solidFill>
-          <a:ln>
-            <a:solidFill>
-              <a:schemeClr val="bg1"/>
-            </a:solidFill>
-          </a:ln>
-        </p:spPr>
-        <p:style>
-          <a:lnRef idx="2">
-            <a:schemeClr val="accent1">
-              <a:shade val="50000"/>
-            </a:schemeClr>
-          </a:lnRef>
-          <a:fillRef idx="1">
-            <a:schemeClr val="accent1"/>
-          </a:fillRef>
-          <a:effectRef idx="0">
-            <a:schemeClr val="accent1"/>
-          </a:effectRef>
-          <a:fontRef idx="minor">
-            <a:schemeClr val="lt1"/>
-          </a:fontRef>
-        </p:style>
-        <p:txBody>
-          <a:bodyPr rtlCol="0" anchor="ctr"/>
-          <a:lstStyle/>
+              <a:t>オプション</a:t>
+            </a:r>
+            <a:endParaRPr kumimoji="1" lang="en-US" altLang="ja-JP" sz="2000" dirty="0">
+              <a:solidFill>
+                <a:schemeClr val="bg1"/>
+              </a:solidFill>
+              <a:latin typeface="+mn-ea"/>
+            </a:endParaRPr>
+          </a:p>
           <a:p>
             <a:pPr algn="ctr"/>
-            <a:endParaRPr kumimoji="1" lang="ja-JP" altLang="en-US"/>
+            <a:endParaRPr kumimoji="1" lang="en-US" altLang="ja-JP" sz="3200" dirty="0">
+              <a:solidFill>
+                <a:schemeClr val="bg1"/>
+              </a:solidFill>
+            </a:endParaRPr>
+          </a:p>
+          <a:p>
+            <a:pPr algn="ctr"/>
+            <a:endParaRPr kumimoji="1" lang="en-US" altLang="ja-JP" sz="3200" dirty="0">
+              <a:solidFill>
+                <a:schemeClr val="bg1"/>
+              </a:solidFill>
+            </a:endParaRPr>
+          </a:p>
+          <a:p>
+            <a:pPr algn="ctr"/>
+            <a:endParaRPr kumimoji="1" lang="ja-JP" altLang="en-US" sz="3200" dirty="0">
+              <a:solidFill>
+                <a:schemeClr val="bg1"/>
+              </a:solidFill>
+            </a:endParaRPr>
           </a:p>
         </p:txBody>
       </p:sp>
     </p:spTree>
     <p:extLst>
       <p:ext uri="{BB962C8B-B14F-4D97-AF65-F5344CB8AC3E}">
-        <p14:creationId xmlns:p14="http://schemas.microsoft.com/office/powerpoint/2010/main" val="3469687477"/>
+        <p14:creationId xmlns:p14="http://schemas.microsoft.com/office/powerpoint/2010/main" val="1854236559"/>
       </p:ext>
     </p:extLst>
   </p:cSld>
@@ -7437,7 +7070,7 @@
           <p:cNvPr id="6" name="正方形/長方形 5">
             <a:extLst>
               <a:ext uri="{FF2B5EF4-FFF2-40B4-BE49-F238E27FC236}">
-                <a16:creationId xmlns:a16="http://schemas.microsoft.com/office/drawing/2014/main" id="{E20251CD-41A8-4100-A1DE-9B529651930D}"/>
+                <a16:creationId xmlns:a16="http://schemas.microsoft.com/office/drawing/2014/main" id="{1AF728D9-A727-4182-8F64-BD6822A9A2E3}"/>
               </a:ext>
             </a:extLst>
           </p:cNvPr>
@@ -7491,7 +7124,7 @@
           <p:cNvPr id="7" name="テキスト ボックス 6">
             <a:extLst>
               <a:ext uri="{FF2B5EF4-FFF2-40B4-BE49-F238E27FC236}">
-                <a16:creationId xmlns:a16="http://schemas.microsoft.com/office/drawing/2014/main" id="{974E100E-C658-4072-B4E9-B66EE1704CFE}"/>
+                <a16:creationId xmlns:a16="http://schemas.microsoft.com/office/drawing/2014/main" id="{E14E90F5-D81B-42B7-BB75-AE62C710FE34}"/>
               </a:ext>
             </a:extLst>
           </p:cNvPr>
@@ -7526,7 +7159,7 @@
           <p:cNvPr id="8" name="正方形/長方形 7">
             <a:extLst>
               <a:ext uri="{FF2B5EF4-FFF2-40B4-BE49-F238E27FC236}">
-                <a16:creationId xmlns:a16="http://schemas.microsoft.com/office/drawing/2014/main" id="{ECECEBFA-88AC-4833-A910-86B2CEB1423F}"/>
+                <a16:creationId xmlns:a16="http://schemas.microsoft.com/office/drawing/2014/main" id="{A363C8F8-5228-4ED6-93CA-10EE28165E0A}"/>
               </a:ext>
             </a:extLst>
           </p:cNvPr>
@@ -7573,7 +7206,7 @@
           <p:cNvPr id="9" name="テキスト ボックス 8">
             <a:extLst>
               <a:ext uri="{FF2B5EF4-FFF2-40B4-BE49-F238E27FC236}">
-                <a16:creationId xmlns:a16="http://schemas.microsoft.com/office/drawing/2014/main" id="{5B4E6AD4-2CE1-4B99-AC33-93DF72B9A549}"/>
+                <a16:creationId xmlns:a16="http://schemas.microsoft.com/office/drawing/2014/main" id="{AB06C49D-5618-41F7-9EB1-E631AE012E8C}"/>
               </a:ext>
             </a:extLst>
           </p:cNvPr>
@@ -7612,7 +7245,7 @@
           <p:cNvPr id="10" name="テキスト ボックス 9">
             <a:extLst>
               <a:ext uri="{FF2B5EF4-FFF2-40B4-BE49-F238E27FC236}">
-                <a16:creationId xmlns:a16="http://schemas.microsoft.com/office/drawing/2014/main" id="{CF42CDD4-F282-4241-AE30-C2F7076A5620}"/>
+                <a16:creationId xmlns:a16="http://schemas.microsoft.com/office/drawing/2014/main" id="{94D67AC7-FC45-4910-A124-88CA9B46C236}"/>
               </a:ext>
             </a:extLst>
           </p:cNvPr>
@@ -7651,7 +7284,7 @@
           <p:cNvPr id="11" name="テキスト ボックス 10">
             <a:extLst>
               <a:ext uri="{FF2B5EF4-FFF2-40B4-BE49-F238E27FC236}">
-                <a16:creationId xmlns:a16="http://schemas.microsoft.com/office/drawing/2014/main" id="{7E98F9BF-F0FA-41C6-A691-E5F637BEFCD5}"/>
+                <a16:creationId xmlns:a16="http://schemas.microsoft.com/office/drawing/2014/main" id="{C4F56ABD-1276-464D-9C00-93EC9FF31504}"/>
               </a:ext>
             </a:extLst>
           </p:cNvPr>
@@ -7687,10 +7320,10 @@
       </p:sp>
       <p:sp>
         <p:nvSpPr>
-          <p:cNvPr id="14" name="テキスト ボックス 13">
+          <p:cNvPr id="23" name="テキスト ボックス 22">
             <a:extLst>
               <a:ext uri="{FF2B5EF4-FFF2-40B4-BE49-F238E27FC236}">
-                <a16:creationId xmlns:a16="http://schemas.microsoft.com/office/drawing/2014/main" id="{F028C04C-EC28-45D0-91CF-EA1B458CC90B}"/>
+                <a16:creationId xmlns:a16="http://schemas.microsoft.com/office/drawing/2014/main" id="{54818D74-8432-4820-97A4-A4B631EC1C1F}"/>
               </a:ext>
             </a:extLst>
           </p:cNvPr>
@@ -7714,22 +7347,30 @@
           <a:lstStyle/>
           <a:p>
             <a:r>
+              <a:rPr kumimoji="1" lang="ja-JP" altLang="en-US" sz="1100">
+                <a:solidFill>
+                  <a:schemeClr val="bg1"/>
+                </a:solidFill>
+              </a:rPr>
+              <a:t>何か聞いたら面白い</a:t>
+            </a:r>
+            <a:r>
               <a:rPr kumimoji="1" lang="ja-JP" altLang="en-US" sz="1100" dirty="0">
                 <a:solidFill>
                   <a:schemeClr val="bg1"/>
                 </a:solidFill>
               </a:rPr>
-              <a:t>何か聞いたら面白い事</a:t>
-            </a:r>
-          </a:p>
-        </p:txBody>
-      </p:sp>
-      <p:sp>
-        <p:nvSpPr>
-          <p:cNvPr id="16" name="テキスト ボックス 15">
+              <a:t>事</a:t>
+            </a:r>
+          </a:p>
+        </p:txBody>
+      </p:sp>
+      <p:sp>
+        <p:nvSpPr>
+          <p:cNvPr id="2" name="テキスト ボックス 1">
             <a:extLst>
               <a:ext uri="{FF2B5EF4-FFF2-40B4-BE49-F238E27FC236}">
-                <a16:creationId xmlns:a16="http://schemas.microsoft.com/office/drawing/2014/main" id="{38340AC4-781F-4EEB-8B57-CDD2CBAEAC09}"/>
+                <a16:creationId xmlns:a16="http://schemas.microsoft.com/office/drawing/2014/main" id="{D98D586D-E97B-41E5-943F-110613173CFB}"/>
               </a:ext>
             </a:extLst>
           </p:cNvPr>
@@ -7738,7 +7379,71 @@
         </p:nvSpPr>
         <p:spPr>
           <a:xfrm>
-            <a:off x="8801351" y="4694055"/>
+            <a:off x="3219943" y="2044231"/>
+            <a:ext cx="4988267" cy="2862322"/>
+          </a:xfrm>
+          <a:prstGeom prst="rect">
+            <a:avLst/>
+          </a:prstGeom>
+          <a:noFill/>
+        </p:spPr>
+        <p:txBody>
+          <a:bodyPr wrap="square" rtlCol="0">
+            <a:spAutoFit/>
+          </a:bodyPr>
+          <a:lstStyle/>
+          <a:p>
+            <a:pPr algn="ctr"/>
+            <a:r>
+              <a:rPr kumimoji="1" lang="ja-JP" altLang="en-US" sz="6000" dirty="0">
+                <a:solidFill>
+                  <a:schemeClr val="bg1"/>
+                </a:solidFill>
+              </a:rPr>
+              <a:t>奥行のある</a:t>
+            </a:r>
+            <a:r>
+              <a:rPr kumimoji="1" lang="en-US" altLang="ja-JP" sz="6000" dirty="0">
+                <a:solidFill>
+                  <a:schemeClr val="bg1"/>
+                </a:solidFill>
+              </a:rPr>
+              <a:t>3D</a:t>
+            </a:r>
+            <a:r>
+              <a:rPr kumimoji="1" lang="ja-JP" altLang="en-US" sz="6000" dirty="0">
+                <a:solidFill>
+                  <a:schemeClr val="bg1"/>
+                </a:solidFill>
+              </a:rPr>
+              <a:t>背景、もしくは</a:t>
+            </a:r>
+            <a:r>
+              <a:rPr kumimoji="1" lang="en-US" altLang="ja-JP" sz="6000" dirty="0">
+                <a:solidFill>
+                  <a:schemeClr val="bg1"/>
+                </a:solidFill>
+              </a:rPr>
+              <a:t>2D</a:t>
+            </a:r>
+          </a:p>
+        </p:txBody>
+      </p:sp>
+      <p:sp>
+        <p:nvSpPr>
+          <p:cNvPr id="3" name="テキスト ボックス 2">
+            <a:extLst>
+              <a:ext uri="{FF2B5EF4-FFF2-40B4-BE49-F238E27FC236}">
+                <a16:creationId xmlns:a16="http://schemas.microsoft.com/office/drawing/2014/main" id="{F77D885D-919A-4B56-A249-11817C2C874E}"/>
+              </a:ext>
+            </a:extLst>
+          </p:cNvPr>
+          <p:cNvSpPr txBox="1"/>
+          <p:nvPr/>
+        </p:nvSpPr>
+        <p:spPr>
+          <a:xfrm>
+            <a:off x="8801352" y="2584883"/>
             <a:ext cx="1166549" cy="369332"/>
           </a:xfrm>
           <a:prstGeom prst="rect">
@@ -7765,10 +7470,10 @@
       </p:sp>
       <p:sp>
         <p:nvSpPr>
-          <p:cNvPr id="17" name="正方形/長方形 16">
+          <p:cNvPr id="4" name="正方形/長方形 3">
             <a:extLst>
               <a:ext uri="{FF2B5EF4-FFF2-40B4-BE49-F238E27FC236}">
-                <a16:creationId xmlns:a16="http://schemas.microsoft.com/office/drawing/2014/main" id="{095FE9A3-A69D-46E3-A4A0-2AB4672B0DE1}"/>
+                <a16:creationId xmlns:a16="http://schemas.microsoft.com/office/drawing/2014/main" id="{8B94F0F0-A0BB-4DD8-88A2-524C4E4A6FBA}"/>
               </a:ext>
             </a:extLst>
           </p:cNvPr>
@@ -7777,8 +7482,8 @@
         </p:nvSpPr>
         <p:spPr>
           <a:xfrm>
-            <a:off x="1443789" y="1341200"/>
-            <a:ext cx="1479163" cy="1062058"/>
+            <a:off x="1536553" y="1684426"/>
+            <a:ext cx="1395662" cy="718832"/>
           </a:xfrm>
           <a:prstGeom prst="rect">
             <a:avLst/>
@@ -7816,47 +7521,15 @@
               </a:rPr>
               <a:t>全体マップ</a:t>
             </a:r>
-            <a:endParaRPr kumimoji="1" lang="en-US" altLang="ja-JP" dirty="0">
-              <a:solidFill>
-                <a:srgbClr val="0070C0"/>
-              </a:solidFill>
-            </a:endParaRPr>
-          </a:p>
-          <a:p>
-            <a:pPr algn="ctr"/>
-            <a:r>
-              <a:rPr kumimoji="1" lang="en-US" altLang="ja-JP" dirty="0">
-                <a:solidFill>
-                  <a:srgbClr val="0070C0"/>
-                </a:solidFill>
-              </a:rPr>
-              <a:t>(</a:t>
-            </a:r>
-            <a:r>
-              <a:rPr kumimoji="1" lang="ja-JP" altLang="en-US" dirty="0">
-                <a:solidFill>
-                  <a:srgbClr val="0070C0"/>
-                </a:solidFill>
-              </a:rPr>
-              <a:t>ボタン押したら開く</a:t>
-            </a:r>
-            <a:r>
-              <a:rPr kumimoji="1" lang="en-US" altLang="ja-JP" dirty="0">
-                <a:solidFill>
-                  <a:srgbClr val="0070C0"/>
-                </a:solidFill>
-              </a:rPr>
-              <a:t>)</a:t>
-            </a:r>
-          </a:p>
-        </p:txBody>
-      </p:sp>
-      <p:sp>
-        <p:nvSpPr>
-          <p:cNvPr id="19" name="スマイル 18">
+          </a:p>
+        </p:txBody>
+      </p:sp>
+      <p:sp>
+        <p:nvSpPr>
+          <p:cNvPr id="17" name="矢印: 四方向 16">
             <a:extLst>
               <a:ext uri="{FF2B5EF4-FFF2-40B4-BE49-F238E27FC236}">
-                <a16:creationId xmlns:a16="http://schemas.microsoft.com/office/drawing/2014/main" id="{FEC89D24-C71C-4FBB-AA29-B7083BE7920E}"/>
+                <a16:creationId xmlns:a16="http://schemas.microsoft.com/office/drawing/2014/main" id="{A118AAAF-8205-47B8-BB07-A6F36946FD97}"/>
               </a:ext>
             </a:extLst>
           </p:cNvPr>
@@ -7865,14 +7538,14 @@
         </p:nvSpPr>
         <p:spPr>
           <a:xfrm>
-            <a:off x="4724400" y="1604211"/>
-            <a:ext cx="1166548" cy="1062058"/>
-          </a:xfrm>
-          <a:prstGeom prst="smileyFace">
+            <a:off x="8850909" y="1593613"/>
+            <a:ext cx="898358" cy="900457"/>
+          </a:xfrm>
+          <a:prstGeom prst="quadArrow">
             <a:avLst/>
           </a:prstGeom>
           <a:solidFill>
-            <a:schemeClr val="tx1"/>
+            <a:schemeClr val="bg1"/>
           </a:solidFill>
           <a:ln>
             <a:solidFill>
@@ -7905,214 +7578,10 @@
           </a:p>
         </p:txBody>
       </p:sp>
-      <p:sp>
-        <p:nvSpPr>
-          <p:cNvPr id="20" name="矢印: 四方向 19">
-            <a:extLst>
-              <a:ext uri="{FF2B5EF4-FFF2-40B4-BE49-F238E27FC236}">
-                <a16:creationId xmlns:a16="http://schemas.microsoft.com/office/drawing/2014/main" id="{0F559401-8EB2-421D-94BD-C4440DFE67B4}"/>
-              </a:ext>
-            </a:extLst>
-          </p:cNvPr>
-          <p:cNvSpPr/>
-          <p:nvPr/>
-        </p:nvSpPr>
-        <p:spPr>
-          <a:xfrm>
-            <a:off x="8994065" y="3662265"/>
-            <a:ext cx="898358" cy="900457"/>
-          </a:xfrm>
-          <a:prstGeom prst="quadArrow">
-            <a:avLst/>
-          </a:prstGeom>
-          <a:solidFill>
-            <a:schemeClr val="bg1"/>
-          </a:solidFill>
-          <a:ln>
-            <a:solidFill>
-              <a:schemeClr val="bg1"/>
-            </a:solidFill>
-          </a:ln>
-        </p:spPr>
-        <p:style>
-          <a:lnRef idx="2">
-            <a:schemeClr val="accent1">
-              <a:shade val="50000"/>
-            </a:schemeClr>
-          </a:lnRef>
-          <a:fillRef idx="1">
-            <a:schemeClr val="accent1"/>
-          </a:fillRef>
-          <a:effectRef idx="0">
-            <a:schemeClr val="accent1"/>
-          </a:effectRef>
-          <a:fontRef idx="minor">
-            <a:schemeClr val="lt1"/>
-          </a:fontRef>
-        </p:style>
-        <p:txBody>
-          <a:bodyPr rtlCol="0" anchor="ctr"/>
-          <a:lstStyle/>
-          <a:p>
-            <a:pPr algn="ctr"/>
-            <a:endParaRPr kumimoji="1" lang="ja-JP" altLang="en-US"/>
-          </a:p>
-        </p:txBody>
-      </p:sp>
-      <p:cxnSp>
-        <p:nvCxnSpPr>
-          <p:cNvPr id="25" name="直線矢印コネクタ 24">
-            <a:extLst>
-              <a:ext uri="{FF2B5EF4-FFF2-40B4-BE49-F238E27FC236}">
-                <a16:creationId xmlns:a16="http://schemas.microsoft.com/office/drawing/2014/main" id="{78375C7A-95F2-4F72-8466-4CB89923BAA7}"/>
-              </a:ext>
-            </a:extLst>
-          </p:cNvPr>
-          <p:cNvCxnSpPr/>
-          <p:nvPr/>
-        </p:nvCxnSpPr>
-        <p:spPr>
-          <a:xfrm flipH="1" flipV="1">
-            <a:off x="5890948" y="2334126"/>
-            <a:ext cx="1007157" cy="725542"/>
-          </a:xfrm>
-          <a:prstGeom prst="straightConnector1">
-            <a:avLst/>
-          </a:prstGeom>
-          <a:ln>
-            <a:tailEnd type="triangle"/>
-          </a:ln>
-        </p:spPr>
-        <p:style>
-          <a:lnRef idx="1">
-            <a:schemeClr val="accent1"/>
-          </a:lnRef>
-          <a:fillRef idx="0">
-            <a:schemeClr val="accent1"/>
-          </a:fillRef>
-          <a:effectRef idx="0">
-            <a:schemeClr val="accent1"/>
-          </a:effectRef>
-          <a:fontRef idx="minor">
-            <a:schemeClr val="tx1"/>
-          </a:fontRef>
-        </p:style>
-      </p:cxnSp>
-      <p:sp>
-        <p:nvSpPr>
-          <p:cNvPr id="26" name="テキスト ボックス 25">
-            <a:extLst>
-              <a:ext uri="{FF2B5EF4-FFF2-40B4-BE49-F238E27FC236}">
-                <a16:creationId xmlns:a16="http://schemas.microsoft.com/office/drawing/2014/main" id="{43258B08-39A6-46B0-8082-5DCB4D2CC4CA}"/>
-              </a:ext>
-            </a:extLst>
-          </p:cNvPr>
-          <p:cNvSpPr txBox="1"/>
-          <p:nvPr/>
-        </p:nvSpPr>
-        <p:spPr>
-          <a:xfrm>
-            <a:off x="7057496" y="2954215"/>
-            <a:ext cx="1673266" cy="1200329"/>
-          </a:xfrm>
-          <a:prstGeom prst="rect">
-            <a:avLst/>
-          </a:prstGeom>
-          <a:solidFill>
-            <a:schemeClr val="tx1"/>
-          </a:solidFill>
-        </p:spPr>
-        <p:txBody>
-          <a:bodyPr wrap="square" rtlCol="0">
-            <a:spAutoFit/>
-          </a:bodyPr>
-          <a:lstStyle/>
-          <a:p>
-            <a:r>
-              <a:rPr kumimoji="1" lang="ja-JP" altLang="en-US" dirty="0">
-                <a:solidFill>
-                  <a:schemeClr val="bg1"/>
-                </a:solidFill>
-              </a:rPr>
-              <a:t>話を聞いたり</a:t>
-            </a:r>
-            <a:endParaRPr kumimoji="1" lang="en-US" altLang="ja-JP" dirty="0">
-              <a:solidFill>
-                <a:schemeClr val="bg1"/>
-              </a:solidFill>
-            </a:endParaRPr>
-          </a:p>
-          <a:p>
-            <a:r>
-              <a:rPr kumimoji="1" lang="ja-JP" altLang="en-US" dirty="0">
-                <a:solidFill>
-                  <a:schemeClr val="bg1"/>
-                </a:solidFill>
-              </a:rPr>
-              <a:t>ヒントを出したりしてくれるキャラ</a:t>
-            </a:r>
-          </a:p>
-        </p:txBody>
-      </p:sp>
-      <p:sp>
-        <p:nvSpPr>
-          <p:cNvPr id="2" name="テキスト ボックス 1">
-            <a:extLst>
-              <a:ext uri="{FF2B5EF4-FFF2-40B4-BE49-F238E27FC236}">
-                <a16:creationId xmlns:a16="http://schemas.microsoft.com/office/drawing/2014/main" id="{D3A46364-CE49-4FBD-B117-76571AA8BC47}"/>
-              </a:ext>
-            </a:extLst>
-          </p:cNvPr>
-          <p:cNvSpPr txBox="1"/>
-          <p:nvPr/>
-        </p:nvSpPr>
-        <p:spPr>
-          <a:xfrm>
-            <a:off x="5890948" y="1491735"/>
-            <a:ext cx="1596396" cy="369332"/>
-          </a:xfrm>
-          <a:prstGeom prst="rect">
-            <a:avLst/>
-          </a:prstGeom>
-          <a:noFill/>
-        </p:spPr>
-        <p:txBody>
-          <a:bodyPr wrap="square" rtlCol="0">
-            <a:spAutoFit/>
-          </a:bodyPr>
-          <a:lstStyle/>
-          <a:p>
-            <a:r>
-              <a:rPr kumimoji="1" lang="ja-JP" altLang="en-US" dirty="0">
-                <a:solidFill>
-                  <a:schemeClr val="bg1"/>
-                </a:solidFill>
-              </a:rPr>
-              <a:t>味方</a:t>
-            </a:r>
-            <a:r>
-              <a:rPr kumimoji="1" lang="en-US" altLang="ja-JP" dirty="0">
-                <a:solidFill>
-                  <a:schemeClr val="bg1"/>
-                </a:solidFill>
-              </a:rPr>
-              <a:t>or</a:t>
-            </a:r>
-            <a:r>
-              <a:rPr kumimoji="1" lang="ja-JP" altLang="en-US" dirty="0">
-                <a:solidFill>
-                  <a:schemeClr val="bg1"/>
-                </a:solidFill>
-              </a:rPr>
-              <a:t>敵</a:t>
-            </a:r>
-          </a:p>
-        </p:txBody>
-      </p:sp>
     </p:spTree>
     <p:extLst>
       <p:ext uri="{BB962C8B-B14F-4D97-AF65-F5344CB8AC3E}">
-        <p14:creationId xmlns:p14="http://schemas.microsoft.com/office/powerpoint/2010/main" val="64186176"/>
+        <p14:creationId xmlns:p14="http://schemas.microsoft.com/office/powerpoint/2010/main" val="3469687477"/>
       </p:ext>
     </p:extLst>
   </p:cSld>
@@ -8141,38 +7610,685 @@
       </p:grpSpPr>
       <p:sp>
         <p:nvSpPr>
-          <p:cNvPr id="2" name="タイトル 1">
+          <p:cNvPr id="6" name="正方形/長方形 5">
             <a:extLst>
               <a:ext uri="{FF2B5EF4-FFF2-40B4-BE49-F238E27FC236}">
-                <a16:creationId xmlns:a16="http://schemas.microsoft.com/office/drawing/2014/main" id="{19310564-E219-49A7-9F94-A79528DFE71E}"/>
+                <a16:creationId xmlns:a16="http://schemas.microsoft.com/office/drawing/2014/main" id="{E20251CD-41A8-4100-A1DE-9B529651930D}"/>
               </a:ext>
             </a:extLst>
           </p:cNvPr>
-          <p:cNvSpPr>
-            <a:spLocks noGrp="1"/>
-          </p:cNvSpPr>
-          <p:nvPr>
-            <p:ph type="title"/>
-          </p:nvPr>
+          <p:cNvSpPr/>
+          <p:nvPr/>
         </p:nvSpPr>
         <p:spPr>
           <a:xfrm>
-            <a:off x="646111" y="452718"/>
-            <a:ext cx="9404723" cy="2715598"/>
-          </a:xfrm>
-        </p:spPr>
-        <p:txBody>
-          <a:bodyPr/>
-          <a:lstStyle/>
-          <a:p>
+            <a:off x="1347537" y="1218063"/>
+            <a:ext cx="8859356" cy="4539916"/>
+          </a:xfrm>
+          <a:prstGeom prst="rect">
+            <a:avLst/>
+          </a:prstGeom>
+          <a:solidFill>
+            <a:schemeClr val="tx1"/>
+          </a:solidFill>
+          <a:ln>
+            <a:solidFill>
+              <a:schemeClr val="bg1"/>
+            </a:solidFill>
+          </a:ln>
+        </p:spPr>
+        <p:style>
+          <a:lnRef idx="2">
+            <a:schemeClr val="accent1">
+              <a:shade val="50000"/>
+            </a:schemeClr>
+          </a:lnRef>
+          <a:fillRef idx="1">
+            <a:schemeClr val="accent1"/>
+          </a:fillRef>
+          <a:effectRef idx="0">
+            <a:schemeClr val="accent1"/>
+          </a:effectRef>
+          <a:fontRef idx="minor">
+            <a:schemeClr val="lt1"/>
+          </a:fontRef>
+        </p:style>
+        <p:txBody>
+          <a:bodyPr rtlCol="0" anchor="ctr"/>
+          <a:lstStyle/>
+          <a:p>
+            <a:pPr algn="ctr"/>
             <a:endParaRPr kumimoji="1" lang="ja-JP" altLang="en-US" dirty="0"/>
+          </a:p>
+        </p:txBody>
+      </p:sp>
+      <p:sp>
+        <p:nvSpPr>
+          <p:cNvPr id="7" name="テキスト ボックス 6">
+            <a:extLst>
+              <a:ext uri="{FF2B5EF4-FFF2-40B4-BE49-F238E27FC236}">
+                <a16:creationId xmlns:a16="http://schemas.microsoft.com/office/drawing/2014/main" id="{974E100E-C658-4072-B4E9-B66EE1704CFE}"/>
+              </a:ext>
+            </a:extLst>
+          </p:cNvPr>
+          <p:cNvSpPr txBox="1"/>
+          <p:nvPr/>
+        </p:nvSpPr>
+        <p:spPr>
+          <a:xfrm>
+            <a:off x="844062" y="640862"/>
+            <a:ext cx="3540369" cy="369332"/>
+          </a:xfrm>
+          <a:prstGeom prst="rect">
+            <a:avLst/>
+          </a:prstGeom>
+          <a:noFill/>
+        </p:spPr>
+        <p:txBody>
+          <a:bodyPr wrap="square" rtlCol="0">
+            <a:spAutoFit/>
+          </a:bodyPr>
+          <a:lstStyle/>
+          <a:p>
+            <a:r>
+              <a:rPr kumimoji="1" lang="ja-JP" altLang="en-US" dirty="0"/>
+              <a:t>ゲームの作成予定画面</a:t>
+            </a:r>
+          </a:p>
+        </p:txBody>
+      </p:sp>
+      <p:sp>
+        <p:nvSpPr>
+          <p:cNvPr id="8" name="正方形/長方形 7">
+            <a:extLst>
+              <a:ext uri="{FF2B5EF4-FFF2-40B4-BE49-F238E27FC236}">
+                <a16:creationId xmlns:a16="http://schemas.microsoft.com/office/drawing/2014/main" id="{ECECEBFA-88AC-4833-A910-86B2CEB1423F}"/>
+              </a:ext>
+            </a:extLst>
+          </p:cNvPr>
+          <p:cNvSpPr/>
+          <p:nvPr/>
+        </p:nvSpPr>
+        <p:spPr>
+          <a:xfrm>
+            <a:off x="1860061" y="2954215"/>
+            <a:ext cx="1268150" cy="2131132"/>
+          </a:xfrm>
+          <a:prstGeom prst="rect">
+            <a:avLst/>
+          </a:prstGeom>
+          <a:noFill/>
+        </p:spPr>
+        <p:style>
+          <a:lnRef idx="2">
+            <a:schemeClr val="accent1">
+              <a:shade val="50000"/>
+            </a:schemeClr>
+          </a:lnRef>
+          <a:fillRef idx="1">
+            <a:schemeClr val="accent1"/>
+          </a:fillRef>
+          <a:effectRef idx="0">
+            <a:schemeClr val="accent1"/>
+          </a:effectRef>
+          <a:fontRef idx="minor">
+            <a:schemeClr val="lt1"/>
+          </a:fontRef>
+        </p:style>
+        <p:txBody>
+          <a:bodyPr rtlCol="0" anchor="ctr"/>
+          <a:lstStyle/>
+          <a:p>
+            <a:pPr algn="ctr"/>
+            <a:endParaRPr kumimoji="1" lang="ja-JP" altLang="en-US" dirty="0"/>
+          </a:p>
+        </p:txBody>
+      </p:sp>
+      <p:sp>
+        <p:nvSpPr>
+          <p:cNvPr id="9" name="テキスト ボックス 8">
+            <a:extLst>
+              <a:ext uri="{FF2B5EF4-FFF2-40B4-BE49-F238E27FC236}">
+                <a16:creationId xmlns:a16="http://schemas.microsoft.com/office/drawing/2014/main" id="{5B4E6AD4-2CE1-4B99-AC33-93DF72B9A549}"/>
+              </a:ext>
+            </a:extLst>
+          </p:cNvPr>
+          <p:cNvSpPr txBox="1"/>
+          <p:nvPr/>
+        </p:nvSpPr>
+        <p:spPr>
+          <a:xfrm>
+            <a:off x="1985107" y="3059668"/>
+            <a:ext cx="937845" cy="369332"/>
+          </a:xfrm>
+          <a:prstGeom prst="rect">
+            <a:avLst/>
+          </a:prstGeom>
+          <a:noFill/>
+        </p:spPr>
+        <p:txBody>
+          <a:bodyPr wrap="square" rtlCol="0">
+            <a:spAutoFit/>
+          </a:bodyPr>
+          <a:lstStyle/>
+          <a:p>
+            <a:r>
+              <a:rPr kumimoji="1" lang="ja-JP" altLang="en-US" dirty="0">
+                <a:solidFill>
+                  <a:schemeClr val="bg1"/>
+                </a:solidFill>
+              </a:rPr>
+              <a:t>話す</a:t>
+            </a:r>
+          </a:p>
+        </p:txBody>
+      </p:sp>
+      <p:sp>
+        <p:nvSpPr>
+          <p:cNvPr id="10" name="テキスト ボックス 9">
+            <a:extLst>
+              <a:ext uri="{FF2B5EF4-FFF2-40B4-BE49-F238E27FC236}">
+                <a16:creationId xmlns:a16="http://schemas.microsoft.com/office/drawing/2014/main" id="{CF42CDD4-F282-4241-AE30-C2F7076A5620}"/>
+              </a:ext>
+            </a:extLst>
+          </p:cNvPr>
+          <p:cNvSpPr txBox="1"/>
+          <p:nvPr/>
+        </p:nvSpPr>
+        <p:spPr>
+          <a:xfrm>
+            <a:off x="1985107" y="3488021"/>
+            <a:ext cx="937845" cy="369332"/>
+          </a:xfrm>
+          <a:prstGeom prst="rect">
+            <a:avLst/>
+          </a:prstGeom>
+          <a:noFill/>
+        </p:spPr>
+        <p:txBody>
+          <a:bodyPr wrap="square" rtlCol="0">
+            <a:spAutoFit/>
+          </a:bodyPr>
+          <a:lstStyle/>
+          <a:p>
+            <a:r>
+              <a:rPr kumimoji="1" lang="ja-JP" altLang="en-US" dirty="0">
+                <a:solidFill>
+                  <a:schemeClr val="bg1"/>
+                </a:solidFill>
+              </a:rPr>
+              <a:t>調べる</a:t>
+            </a:r>
+          </a:p>
+        </p:txBody>
+      </p:sp>
+      <p:sp>
+        <p:nvSpPr>
+          <p:cNvPr id="11" name="テキスト ボックス 10">
+            <a:extLst>
+              <a:ext uri="{FF2B5EF4-FFF2-40B4-BE49-F238E27FC236}">
+                <a16:creationId xmlns:a16="http://schemas.microsoft.com/office/drawing/2014/main" id="{7E98F9BF-F0FA-41C6-A691-E5F637BEFCD5}"/>
+              </a:ext>
+            </a:extLst>
+          </p:cNvPr>
+          <p:cNvSpPr txBox="1"/>
+          <p:nvPr/>
+        </p:nvSpPr>
+        <p:spPr>
+          <a:xfrm>
+            <a:off x="1985107" y="3977947"/>
+            <a:ext cx="937845" cy="369332"/>
+          </a:xfrm>
+          <a:prstGeom prst="rect">
+            <a:avLst/>
+          </a:prstGeom>
+          <a:noFill/>
+        </p:spPr>
+        <p:txBody>
+          <a:bodyPr wrap="square" rtlCol="0">
+            <a:spAutoFit/>
+          </a:bodyPr>
+          <a:lstStyle/>
+          <a:p>
+            <a:r>
+              <a:rPr kumimoji="1" lang="ja-JP" altLang="en-US" dirty="0">
+                <a:solidFill>
+                  <a:schemeClr val="bg1"/>
+                </a:solidFill>
+              </a:rPr>
+              <a:t>マップ</a:t>
+            </a:r>
+          </a:p>
+        </p:txBody>
+      </p:sp>
+      <p:sp>
+        <p:nvSpPr>
+          <p:cNvPr id="14" name="テキスト ボックス 13">
+            <a:extLst>
+              <a:ext uri="{FF2B5EF4-FFF2-40B4-BE49-F238E27FC236}">
+                <a16:creationId xmlns:a16="http://schemas.microsoft.com/office/drawing/2014/main" id="{F028C04C-EC28-45D0-91CF-EA1B458CC90B}"/>
+              </a:ext>
+            </a:extLst>
+          </p:cNvPr>
+          <p:cNvSpPr txBox="1"/>
+          <p:nvPr/>
+        </p:nvSpPr>
+        <p:spPr>
+          <a:xfrm>
+            <a:off x="1985106" y="4347279"/>
+            <a:ext cx="1143105" cy="430887"/>
+          </a:xfrm>
+          <a:prstGeom prst="rect">
+            <a:avLst/>
+          </a:prstGeom>
+          <a:noFill/>
+        </p:spPr>
+        <p:txBody>
+          <a:bodyPr wrap="square" rtlCol="0">
+            <a:spAutoFit/>
+          </a:bodyPr>
+          <a:lstStyle/>
+          <a:p>
+            <a:r>
+              <a:rPr kumimoji="1" lang="ja-JP" altLang="en-US" sz="1100" dirty="0">
+                <a:solidFill>
+                  <a:schemeClr val="bg1"/>
+                </a:solidFill>
+              </a:rPr>
+              <a:t>何か聞いたら面白い事</a:t>
+            </a:r>
+          </a:p>
+        </p:txBody>
+      </p:sp>
+      <p:sp>
+        <p:nvSpPr>
+          <p:cNvPr id="16" name="テキスト ボックス 15">
+            <a:extLst>
+              <a:ext uri="{FF2B5EF4-FFF2-40B4-BE49-F238E27FC236}">
+                <a16:creationId xmlns:a16="http://schemas.microsoft.com/office/drawing/2014/main" id="{38340AC4-781F-4EEB-8B57-CDD2CBAEAC09}"/>
+              </a:ext>
+            </a:extLst>
+          </p:cNvPr>
+          <p:cNvSpPr txBox="1"/>
+          <p:nvPr/>
+        </p:nvSpPr>
+        <p:spPr>
+          <a:xfrm>
+            <a:off x="8801351" y="4694055"/>
+            <a:ext cx="1166549" cy="369332"/>
+          </a:xfrm>
+          <a:prstGeom prst="rect">
+            <a:avLst/>
+          </a:prstGeom>
+          <a:noFill/>
+        </p:spPr>
+        <p:txBody>
+          <a:bodyPr wrap="square" rtlCol="0">
+            <a:spAutoFit/>
+          </a:bodyPr>
+          <a:lstStyle/>
+          <a:p>
+            <a:r>
+              <a:rPr kumimoji="1" lang="ja-JP" altLang="en-US" dirty="0">
+                <a:solidFill>
+                  <a:schemeClr val="bg1"/>
+                </a:solidFill>
+              </a:rPr>
+              <a:t>移動矢印</a:t>
+            </a:r>
+          </a:p>
+        </p:txBody>
+      </p:sp>
+      <p:sp>
+        <p:nvSpPr>
+          <p:cNvPr id="17" name="正方形/長方形 16">
+            <a:extLst>
+              <a:ext uri="{FF2B5EF4-FFF2-40B4-BE49-F238E27FC236}">
+                <a16:creationId xmlns:a16="http://schemas.microsoft.com/office/drawing/2014/main" id="{095FE9A3-A69D-46E3-A4A0-2AB4672B0DE1}"/>
+              </a:ext>
+            </a:extLst>
+          </p:cNvPr>
+          <p:cNvSpPr/>
+          <p:nvPr/>
+        </p:nvSpPr>
+        <p:spPr>
+          <a:xfrm>
+            <a:off x="1443789" y="1341200"/>
+            <a:ext cx="1479163" cy="1062058"/>
+          </a:xfrm>
+          <a:prstGeom prst="rect">
+            <a:avLst/>
+          </a:prstGeom>
+          <a:solidFill>
+            <a:srgbClr val="00B050"/>
+          </a:solidFill>
+        </p:spPr>
+        <p:style>
+          <a:lnRef idx="2">
+            <a:schemeClr val="accent1">
+              <a:shade val="50000"/>
+            </a:schemeClr>
+          </a:lnRef>
+          <a:fillRef idx="1">
+            <a:schemeClr val="accent1"/>
+          </a:fillRef>
+          <a:effectRef idx="0">
+            <a:schemeClr val="accent1"/>
+          </a:effectRef>
+          <a:fontRef idx="minor">
+            <a:schemeClr val="lt1"/>
+          </a:fontRef>
+        </p:style>
+        <p:txBody>
+          <a:bodyPr rtlCol="0" anchor="ctr"/>
+          <a:lstStyle/>
+          <a:p>
+            <a:pPr algn="ctr"/>
+            <a:r>
+              <a:rPr kumimoji="1" lang="ja-JP" altLang="en-US" dirty="0">
+                <a:solidFill>
+                  <a:srgbClr val="0070C0"/>
+                </a:solidFill>
+              </a:rPr>
+              <a:t>全体マップ</a:t>
+            </a:r>
+            <a:endParaRPr kumimoji="1" lang="en-US" altLang="ja-JP" dirty="0">
+              <a:solidFill>
+                <a:srgbClr val="0070C0"/>
+              </a:solidFill>
+            </a:endParaRPr>
+          </a:p>
+          <a:p>
+            <a:pPr algn="ctr"/>
+            <a:r>
+              <a:rPr kumimoji="1" lang="en-US" altLang="ja-JP" dirty="0">
+                <a:solidFill>
+                  <a:srgbClr val="0070C0"/>
+                </a:solidFill>
+              </a:rPr>
+              <a:t>(</a:t>
+            </a:r>
+            <a:r>
+              <a:rPr kumimoji="1" lang="ja-JP" altLang="en-US" dirty="0">
+                <a:solidFill>
+                  <a:srgbClr val="0070C0"/>
+                </a:solidFill>
+              </a:rPr>
+              <a:t>ボタン押したら開く</a:t>
+            </a:r>
+            <a:r>
+              <a:rPr kumimoji="1" lang="en-US" altLang="ja-JP" dirty="0">
+                <a:solidFill>
+                  <a:srgbClr val="0070C0"/>
+                </a:solidFill>
+              </a:rPr>
+              <a:t>)</a:t>
+            </a:r>
+          </a:p>
+        </p:txBody>
+      </p:sp>
+      <p:sp>
+        <p:nvSpPr>
+          <p:cNvPr id="19" name="スマイル 18">
+            <a:extLst>
+              <a:ext uri="{FF2B5EF4-FFF2-40B4-BE49-F238E27FC236}">
+                <a16:creationId xmlns:a16="http://schemas.microsoft.com/office/drawing/2014/main" id="{FEC89D24-C71C-4FBB-AA29-B7083BE7920E}"/>
+              </a:ext>
+            </a:extLst>
+          </p:cNvPr>
+          <p:cNvSpPr/>
+          <p:nvPr/>
+        </p:nvSpPr>
+        <p:spPr>
+          <a:xfrm>
+            <a:off x="4724400" y="1604211"/>
+            <a:ext cx="1166548" cy="1062058"/>
+          </a:xfrm>
+          <a:prstGeom prst="smileyFace">
+            <a:avLst/>
+          </a:prstGeom>
+          <a:solidFill>
+            <a:schemeClr val="tx1"/>
+          </a:solidFill>
+          <a:ln>
+            <a:solidFill>
+              <a:schemeClr val="bg1"/>
+            </a:solidFill>
+          </a:ln>
+        </p:spPr>
+        <p:style>
+          <a:lnRef idx="2">
+            <a:schemeClr val="accent1">
+              <a:shade val="50000"/>
+            </a:schemeClr>
+          </a:lnRef>
+          <a:fillRef idx="1">
+            <a:schemeClr val="accent1"/>
+          </a:fillRef>
+          <a:effectRef idx="0">
+            <a:schemeClr val="accent1"/>
+          </a:effectRef>
+          <a:fontRef idx="minor">
+            <a:schemeClr val="lt1"/>
+          </a:fontRef>
+        </p:style>
+        <p:txBody>
+          <a:bodyPr rtlCol="0" anchor="ctr"/>
+          <a:lstStyle/>
+          <a:p>
+            <a:pPr algn="ctr"/>
+            <a:endParaRPr kumimoji="1" lang="ja-JP" altLang="en-US"/>
+          </a:p>
+        </p:txBody>
+      </p:sp>
+      <p:sp>
+        <p:nvSpPr>
+          <p:cNvPr id="20" name="矢印: 四方向 19">
+            <a:extLst>
+              <a:ext uri="{FF2B5EF4-FFF2-40B4-BE49-F238E27FC236}">
+                <a16:creationId xmlns:a16="http://schemas.microsoft.com/office/drawing/2014/main" id="{0F559401-8EB2-421D-94BD-C4440DFE67B4}"/>
+              </a:ext>
+            </a:extLst>
+          </p:cNvPr>
+          <p:cNvSpPr/>
+          <p:nvPr/>
+        </p:nvSpPr>
+        <p:spPr>
+          <a:xfrm>
+            <a:off x="8994065" y="3662265"/>
+            <a:ext cx="898358" cy="900457"/>
+          </a:xfrm>
+          <a:prstGeom prst="quadArrow">
+            <a:avLst/>
+          </a:prstGeom>
+          <a:solidFill>
+            <a:schemeClr val="bg1"/>
+          </a:solidFill>
+          <a:ln>
+            <a:solidFill>
+              <a:schemeClr val="bg1"/>
+            </a:solidFill>
+          </a:ln>
+        </p:spPr>
+        <p:style>
+          <a:lnRef idx="2">
+            <a:schemeClr val="accent1">
+              <a:shade val="50000"/>
+            </a:schemeClr>
+          </a:lnRef>
+          <a:fillRef idx="1">
+            <a:schemeClr val="accent1"/>
+          </a:fillRef>
+          <a:effectRef idx="0">
+            <a:schemeClr val="accent1"/>
+          </a:effectRef>
+          <a:fontRef idx="minor">
+            <a:schemeClr val="lt1"/>
+          </a:fontRef>
+        </p:style>
+        <p:txBody>
+          <a:bodyPr rtlCol="0" anchor="ctr"/>
+          <a:lstStyle/>
+          <a:p>
+            <a:pPr algn="ctr"/>
+            <a:endParaRPr kumimoji="1" lang="ja-JP" altLang="en-US"/>
+          </a:p>
+        </p:txBody>
+      </p:sp>
+      <p:cxnSp>
+        <p:nvCxnSpPr>
+          <p:cNvPr id="25" name="直線矢印コネクタ 24">
+            <a:extLst>
+              <a:ext uri="{FF2B5EF4-FFF2-40B4-BE49-F238E27FC236}">
+                <a16:creationId xmlns:a16="http://schemas.microsoft.com/office/drawing/2014/main" id="{78375C7A-95F2-4F72-8466-4CB89923BAA7}"/>
+              </a:ext>
+            </a:extLst>
+          </p:cNvPr>
+          <p:cNvCxnSpPr/>
+          <p:nvPr/>
+        </p:nvCxnSpPr>
+        <p:spPr>
+          <a:xfrm flipH="1" flipV="1">
+            <a:off x="5890948" y="2334126"/>
+            <a:ext cx="1007157" cy="725542"/>
+          </a:xfrm>
+          <a:prstGeom prst="straightConnector1">
+            <a:avLst/>
+          </a:prstGeom>
+          <a:ln>
+            <a:tailEnd type="triangle"/>
+          </a:ln>
+        </p:spPr>
+        <p:style>
+          <a:lnRef idx="1">
+            <a:schemeClr val="accent1"/>
+          </a:lnRef>
+          <a:fillRef idx="0">
+            <a:schemeClr val="accent1"/>
+          </a:fillRef>
+          <a:effectRef idx="0">
+            <a:schemeClr val="accent1"/>
+          </a:effectRef>
+          <a:fontRef idx="minor">
+            <a:schemeClr val="tx1"/>
+          </a:fontRef>
+        </p:style>
+      </p:cxnSp>
+      <p:sp>
+        <p:nvSpPr>
+          <p:cNvPr id="26" name="テキスト ボックス 25">
+            <a:extLst>
+              <a:ext uri="{FF2B5EF4-FFF2-40B4-BE49-F238E27FC236}">
+                <a16:creationId xmlns:a16="http://schemas.microsoft.com/office/drawing/2014/main" id="{43258B08-39A6-46B0-8082-5DCB4D2CC4CA}"/>
+              </a:ext>
+            </a:extLst>
+          </p:cNvPr>
+          <p:cNvSpPr txBox="1"/>
+          <p:nvPr/>
+        </p:nvSpPr>
+        <p:spPr>
+          <a:xfrm>
+            <a:off x="7057496" y="2954215"/>
+            <a:ext cx="1673266" cy="1200329"/>
+          </a:xfrm>
+          <a:prstGeom prst="rect">
+            <a:avLst/>
+          </a:prstGeom>
+          <a:solidFill>
+            <a:schemeClr val="tx1"/>
+          </a:solidFill>
+        </p:spPr>
+        <p:txBody>
+          <a:bodyPr wrap="square" rtlCol="0">
+            <a:spAutoFit/>
+          </a:bodyPr>
+          <a:lstStyle/>
+          <a:p>
+            <a:r>
+              <a:rPr kumimoji="1" lang="ja-JP" altLang="en-US" dirty="0">
+                <a:solidFill>
+                  <a:schemeClr val="bg1"/>
+                </a:solidFill>
+              </a:rPr>
+              <a:t>話を聞いたり</a:t>
+            </a:r>
+            <a:endParaRPr kumimoji="1" lang="en-US" altLang="ja-JP" dirty="0">
+              <a:solidFill>
+                <a:schemeClr val="bg1"/>
+              </a:solidFill>
+            </a:endParaRPr>
+          </a:p>
+          <a:p>
+            <a:r>
+              <a:rPr kumimoji="1" lang="ja-JP" altLang="en-US" dirty="0">
+                <a:solidFill>
+                  <a:schemeClr val="bg1"/>
+                </a:solidFill>
+              </a:rPr>
+              <a:t>ヒントを出したりしてくれるキャラ</a:t>
+            </a:r>
+          </a:p>
+        </p:txBody>
+      </p:sp>
+      <p:sp>
+        <p:nvSpPr>
+          <p:cNvPr id="2" name="テキスト ボックス 1">
+            <a:extLst>
+              <a:ext uri="{FF2B5EF4-FFF2-40B4-BE49-F238E27FC236}">
+                <a16:creationId xmlns:a16="http://schemas.microsoft.com/office/drawing/2014/main" id="{D3A46364-CE49-4FBD-B117-76571AA8BC47}"/>
+              </a:ext>
+            </a:extLst>
+          </p:cNvPr>
+          <p:cNvSpPr txBox="1"/>
+          <p:nvPr/>
+        </p:nvSpPr>
+        <p:spPr>
+          <a:xfrm>
+            <a:off x="5890948" y="1491735"/>
+            <a:ext cx="1596396" cy="369332"/>
+          </a:xfrm>
+          <a:prstGeom prst="rect">
+            <a:avLst/>
+          </a:prstGeom>
+          <a:noFill/>
+        </p:spPr>
+        <p:txBody>
+          <a:bodyPr wrap="square" rtlCol="0">
+            <a:spAutoFit/>
+          </a:bodyPr>
+          <a:lstStyle/>
+          <a:p>
+            <a:r>
+              <a:rPr kumimoji="1" lang="ja-JP" altLang="en-US" dirty="0">
+                <a:solidFill>
+                  <a:schemeClr val="bg1"/>
+                </a:solidFill>
+              </a:rPr>
+              <a:t>味方</a:t>
+            </a:r>
+            <a:r>
+              <a:rPr kumimoji="1" lang="en-US" altLang="ja-JP" dirty="0">
+                <a:solidFill>
+                  <a:schemeClr val="bg1"/>
+                </a:solidFill>
+              </a:rPr>
+              <a:t>or</a:t>
+            </a:r>
+            <a:r>
+              <a:rPr kumimoji="1" lang="ja-JP" altLang="en-US" dirty="0">
+                <a:solidFill>
+                  <a:schemeClr val="bg1"/>
+                </a:solidFill>
+              </a:rPr>
+              <a:t>敵</a:t>
+            </a:r>
           </a:p>
         </p:txBody>
       </p:sp>
     </p:spTree>
     <p:extLst>
       <p:ext uri="{BB962C8B-B14F-4D97-AF65-F5344CB8AC3E}">
-        <p14:creationId xmlns:p14="http://schemas.microsoft.com/office/powerpoint/2010/main" val="1854236559"/>
+        <p14:creationId xmlns:p14="http://schemas.microsoft.com/office/powerpoint/2010/main" val="64186176"/>
       </p:ext>
     </p:extLst>
   </p:cSld>

--- a/ゲームコンセプト.pptx
+++ b/ゲームコンセプト.pptx
@@ -200,7 +200,7 @@
           <a:p>
             <a:fld id="{6A996431-A93B-42E2-9884-8E89E31A7063}" type="datetimeFigureOut">
               <a:rPr kumimoji="1" lang="ja-JP" altLang="en-US" smtClean="0"/>
-              <a:t>2023/11/28</a:t>
+              <a:t>2023/11/30</a:t>
             </a:fld>
             <a:endParaRPr kumimoji="1" lang="ja-JP" altLang="en-US"/>
           </a:p>
@@ -685,7 +685,7 @@
           <a:p>
             <a:fld id="{F0F7637D-6BD6-4732-B028-6BA4E8F115A6}" type="datetimeFigureOut">
               <a:rPr kumimoji="1" lang="ja-JP" altLang="en-US" smtClean="0"/>
-              <a:t>2023/11/28</a:t>
+              <a:t>2023/11/30</a:t>
             </a:fld>
             <a:endParaRPr kumimoji="1" lang="ja-JP" altLang="en-US"/>
           </a:p>
@@ -960,7 +960,7 @@
           <a:p>
             <a:fld id="{F0F7637D-6BD6-4732-B028-6BA4E8F115A6}" type="datetimeFigureOut">
               <a:rPr kumimoji="1" lang="ja-JP" altLang="en-US" smtClean="0"/>
-              <a:t>2023/11/28</a:t>
+              <a:t>2023/11/30</a:t>
             </a:fld>
             <a:endParaRPr kumimoji="1" lang="ja-JP" altLang="en-US"/>
           </a:p>
@@ -1154,7 +1154,7 @@
           <a:p>
             <a:fld id="{F0F7637D-6BD6-4732-B028-6BA4E8F115A6}" type="datetimeFigureOut">
               <a:rPr kumimoji="1" lang="ja-JP" altLang="en-US" smtClean="0"/>
-              <a:t>2023/11/28</a:t>
+              <a:t>2023/11/30</a:t>
             </a:fld>
             <a:endParaRPr kumimoji="1" lang="ja-JP" altLang="en-US"/>
           </a:p>
@@ -1427,7 +1427,7 @@
           <a:p>
             <a:fld id="{F0F7637D-6BD6-4732-B028-6BA4E8F115A6}" type="datetimeFigureOut">
               <a:rPr kumimoji="1" lang="ja-JP" altLang="en-US" smtClean="0"/>
-              <a:t>2023/11/28</a:t>
+              <a:t>2023/11/30</a:t>
             </a:fld>
             <a:endParaRPr kumimoji="1" lang="ja-JP" altLang="en-US"/>
           </a:p>
@@ -1768,7 +1768,7 @@
           <a:p>
             <a:fld id="{F0F7637D-6BD6-4732-B028-6BA4E8F115A6}" type="datetimeFigureOut">
               <a:rPr kumimoji="1" lang="ja-JP" altLang="en-US" smtClean="0"/>
-              <a:t>2023/11/28</a:t>
+              <a:t>2023/11/30</a:t>
             </a:fld>
             <a:endParaRPr kumimoji="1" lang="ja-JP" altLang="en-US"/>
           </a:p>
@@ -2391,7 +2391,7 @@
           <a:p>
             <a:fld id="{F0F7637D-6BD6-4732-B028-6BA4E8F115A6}" type="datetimeFigureOut">
               <a:rPr kumimoji="1" lang="ja-JP" altLang="en-US" smtClean="0"/>
-              <a:t>2023/11/28</a:t>
+              <a:t>2023/11/30</a:t>
             </a:fld>
             <a:endParaRPr kumimoji="1" lang="ja-JP" altLang="en-US"/>
           </a:p>
@@ -3251,7 +3251,7 @@
           <a:p>
             <a:fld id="{F0F7637D-6BD6-4732-B028-6BA4E8F115A6}" type="datetimeFigureOut">
               <a:rPr kumimoji="1" lang="ja-JP" altLang="en-US" smtClean="0"/>
-              <a:t>2023/11/28</a:t>
+              <a:t>2023/11/30</a:t>
             </a:fld>
             <a:endParaRPr kumimoji="1" lang="ja-JP" altLang="en-US"/>
           </a:p>
@@ -3453,7 +3453,7 @@
           <a:p>
             <a:fld id="{F0F7637D-6BD6-4732-B028-6BA4E8F115A6}" type="datetimeFigureOut">
               <a:rPr kumimoji="1" lang="ja-JP" altLang="en-US" smtClean="0"/>
-              <a:t>2023/11/28</a:t>
+              <a:t>2023/11/30</a:t>
             </a:fld>
             <a:endParaRPr kumimoji="1" lang="ja-JP" altLang="en-US"/>
           </a:p>
@@ -3665,7 +3665,7 @@
           <a:p>
             <a:fld id="{F0F7637D-6BD6-4732-B028-6BA4E8F115A6}" type="datetimeFigureOut">
               <a:rPr kumimoji="1" lang="ja-JP" altLang="en-US" smtClean="0"/>
-              <a:t>2023/11/28</a:t>
+              <a:t>2023/11/30</a:t>
             </a:fld>
             <a:endParaRPr kumimoji="1" lang="ja-JP" altLang="en-US"/>
           </a:p>
@@ -3867,7 +3867,7 @@
           <a:p>
             <a:fld id="{F0F7637D-6BD6-4732-B028-6BA4E8F115A6}" type="datetimeFigureOut">
               <a:rPr kumimoji="1" lang="ja-JP" altLang="en-US" smtClean="0"/>
-              <a:t>2023/11/28</a:t>
+              <a:t>2023/11/30</a:t>
             </a:fld>
             <a:endParaRPr kumimoji="1" lang="ja-JP" altLang="en-US"/>
           </a:p>
@@ -4114,7 +4114,7 @@
           <a:p>
             <a:fld id="{F0F7637D-6BD6-4732-B028-6BA4E8F115A6}" type="datetimeFigureOut">
               <a:rPr kumimoji="1" lang="ja-JP" altLang="en-US" smtClean="0"/>
-              <a:t>2023/11/28</a:t>
+              <a:t>2023/11/30</a:t>
             </a:fld>
             <a:endParaRPr kumimoji="1" lang="ja-JP" altLang="en-US"/>
           </a:p>
@@ -4470,7 +4470,7 @@
           <a:p>
             <a:fld id="{F0F7637D-6BD6-4732-B028-6BA4E8F115A6}" type="datetimeFigureOut">
               <a:rPr kumimoji="1" lang="ja-JP" altLang="en-US" smtClean="0"/>
-              <a:t>2023/11/28</a:t>
+              <a:t>2023/11/30</a:t>
             </a:fld>
             <a:endParaRPr kumimoji="1" lang="ja-JP" altLang="en-US"/>
           </a:p>
@@ -4978,7 +4978,7 @@
           <a:p>
             <a:fld id="{F0F7637D-6BD6-4732-B028-6BA4E8F115A6}" type="datetimeFigureOut">
               <a:rPr kumimoji="1" lang="ja-JP" altLang="en-US" smtClean="0"/>
-              <a:t>2023/11/28</a:t>
+              <a:t>2023/11/30</a:t>
             </a:fld>
             <a:endParaRPr kumimoji="1" lang="ja-JP" altLang="en-US"/>
           </a:p>
@@ -5096,7 +5096,7 @@
           <a:p>
             <a:fld id="{F0F7637D-6BD6-4732-B028-6BA4E8F115A6}" type="datetimeFigureOut">
               <a:rPr kumimoji="1" lang="ja-JP" altLang="en-US" smtClean="0"/>
-              <a:t>2023/11/28</a:t>
+              <a:t>2023/11/30</a:t>
             </a:fld>
             <a:endParaRPr kumimoji="1" lang="ja-JP" altLang="en-US"/>
           </a:p>
@@ -5191,7 +5191,7 @@
           <a:p>
             <a:fld id="{F0F7637D-6BD6-4732-B028-6BA4E8F115A6}" type="datetimeFigureOut">
               <a:rPr kumimoji="1" lang="ja-JP" altLang="en-US" smtClean="0"/>
-              <a:t>2023/11/28</a:t>
+              <a:t>2023/11/30</a:t>
             </a:fld>
             <a:endParaRPr kumimoji="1" lang="ja-JP" altLang="en-US"/>
           </a:p>
@@ -5502,7 +5502,7 @@
           <a:p>
             <a:fld id="{F0F7637D-6BD6-4732-B028-6BA4E8F115A6}" type="datetimeFigureOut">
               <a:rPr kumimoji="1" lang="ja-JP" altLang="en-US" smtClean="0"/>
-              <a:t>2023/11/28</a:t>
+              <a:t>2023/11/30</a:t>
             </a:fld>
             <a:endParaRPr kumimoji="1" lang="ja-JP" altLang="en-US"/>
           </a:p>
@@ -5777,7 +5777,7 @@
           <a:p>
             <a:fld id="{F0F7637D-6BD6-4732-B028-6BA4E8F115A6}" type="datetimeFigureOut">
               <a:rPr kumimoji="1" lang="ja-JP" altLang="en-US" smtClean="0"/>
-              <a:t>2023/11/28</a:t>
+              <a:t>2023/11/30</a:t>
             </a:fld>
             <a:endParaRPr kumimoji="1" lang="ja-JP" altLang="en-US"/>
           </a:p>
@@ -6238,7 +6238,7 @@
           <a:p>
             <a:fld id="{F0F7637D-6BD6-4732-B028-6BA4E8F115A6}" type="datetimeFigureOut">
               <a:rPr kumimoji="1" lang="ja-JP" altLang="en-US" smtClean="0"/>
-              <a:t>2023/11/28</a:t>
+              <a:t>2023/11/30</a:t>
             </a:fld>
             <a:endParaRPr kumimoji="1" lang="ja-JP" altLang="en-US"/>
           </a:p>
@@ -6791,19 +6791,24 @@
               <a:rPr lang="ja-JP" altLang="en-US" sz="3200" dirty="0"/>
               <a:t>ゲーム要素・ジャンル</a:t>
             </a:r>
+            <a:r>
+              <a:rPr lang="en-US" altLang="ja-JP" sz="3200" dirty="0"/>
+              <a:t>(</a:t>
+            </a:r>
+            <a:r>
+              <a:rPr lang="ja-JP" altLang="en-US" sz="3200" dirty="0"/>
+              <a:t>仮定</a:t>
+            </a:r>
+            <a:r>
+              <a:rPr lang="en-US" altLang="ja-JP" sz="3200" dirty="0"/>
+              <a:t>)</a:t>
+            </a:r>
             <a:br>
               <a:rPr lang="en-US" altLang="ja-JP" sz="3200" dirty="0"/>
             </a:br>
             <a:r>
               <a:rPr lang="ja-JP" altLang="en-US" sz="3200" dirty="0"/>
-              <a:t>ノベル・シミュレーション・探索・自由移動・</a:t>
-            </a:r>
-            <a:br>
-              <a:rPr lang="en-US" altLang="ja-JP" sz="3200" dirty="0"/>
-            </a:br>
-            <a:r>
-              <a:rPr lang="ja-JP" altLang="en-US" sz="3200" dirty="0"/>
-              <a:t>コマンド</a:t>
+              <a:t>ノベル・脱出ゲーム</a:t>
             </a:r>
             <a:br>
               <a:rPr lang="en-US" altLang="ja-JP" sz="3200" dirty="0"/>
@@ -7380,7 +7385,7 @@
         <p:spPr>
           <a:xfrm>
             <a:off x="3219943" y="2044231"/>
-            <a:ext cx="4988267" cy="2862322"/>
+            <a:ext cx="4988267" cy="1015663"/>
           </a:xfrm>
           <a:prstGeom prst="rect">
             <a:avLst/>
@@ -7400,32 +7405,13 @@
                   <a:schemeClr val="bg1"/>
                 </a:solidFill>
               </a:rPr>
-              <a:t>奥行のある</a:t>
-            </a:r>
-            <a:r>
-              <a:rPr kumimoji="1" lang="en-US" altLang="ja-JP" sz="6000" dirty="0">
-                <a:solidFill>
-                  <a:schemeClr val="bg1"/>
-                </a:solidFill>
-              </a:rPr>
-              <a:t>3D</a:t>
-            </a:r>
-            <a:r>
-              <a:rPr kumimoji="1" lang="ja-JP" altLang="en-US" sz="6000" dirty="0">
-                <a:solidFill>
-                  <a:schemeClr val="bg1"/>
-                </a:solidFill>
-              </a:rPr>
-              <a:t>背景、もしくは</a:t>
-            </a:r>
-            <a:r>
-              <a:rPr kumimoji="1" lang="en-US" altLang="ja-JP" sz="6000" dirty="0">
-                <a:solidFill>
-                  <a:schemeClr val="bg1"/>
-                </a:solidFill>
-              </a:rPr>
-              <a:t>2D</a:t>
-            </a:r>
+              <a:t>背景画像</a:t>
+            </a:r>
+            <a:endParaRPr kumimoji="1" lang="en-US" altLang="ja-JP" sz="6000" dirty="0">
+              <a:solidFill>
+                <a:schemeClr val="bg1"/>
+              </a:solidFill>
+            </a:endParaRPr>
           </a:p>
         </p:txBody>
       </p:sp>
